--- a/231223_readme.pptx
+++ b/231223_readme.pptx
@@ -112,6 +112,11 @@
       </a:defRPr>
     </a:lvl9pPr>
   </p:defaultTextStyle>
+  <p:extLst>
+    <p:ext uri="{EFAFB233-063F-42B5-8137-9DF3F51BA10A}">
+      <p15:sldGuideLst xmlns:p15="http://schemas.microsoft.com/office/powerpoint/2012/main"/>
+    </p:ext>
+  </p:extLst>
 </p:presentation>
 </file>
 
@@ -3948,15 +3953,12 @@
           </a:p>
           <a:p>
             <a:r>
+              <a:rPr lang="ko-KR" altLang="en-US" sz="1200"/>
+              <a:t>컴퓨터공학과 </a:t>
+            </a:r>
+            <a:r>
               <a:rPr lang="ko-KR" altLang="en-US" sz="1200" dirty="0"/>
-              <a:t>호남대학교 대학원</a:t>
-            </a:r>
-            <a:endParaRPr lang="en-US" altLang="ko-KR" sz="1200" dirty="0"/>
-          </a:p>
-          <a:p>
-            <a:r>
-              <a:rPr lang="ko-KR" altLang="en-US" sz="1200" dirty="0"/>
-              <a:t>컴퓨터공학과 석사과정</a:t>
+              <a:t>석사과정</a:t>
             </a:r>
             <a:r>
               <a:rPr lang="en-US" altLang="ko-KR" sz="1200" dirty="0"/>
